--- a/Text/Презентация_предзащита.pptx
+++ b/Text/Презентация_предзащита.pptx
@@ -5,7 +5,7 @@
     <p:sldMasterId id="2147483708" r:id="rId1"/>
   </p:sldMasterIdLst>
   <p:notesMasterIdLst>
-    <p:notesMasterId r:id="rId17"/>
+    <p:notesMasterId r:id="rId18"/>
   </p:notesMasterIdLst>
   <p:sldIdLst>
     <p:sldId id="257" r:id="rId2"/>
@@ -22,7 +22,8 @@
     <p:sldId id="279" r:id="rId13"/>
     <p:sldId id="282" r:id="rId14"/>
     <p:sldId id="287" r:id="rId15"/>
-    <p:sldId id="290" r:id="rId16"/>
+    <p:sldId id="291" r:id="rId16"/>
+    <p:sldId id="290" r:id="rId17"/>
   </p:sldIdLst>
   <p:sldSz cx="12192000" cy="6858000"/>
   <p:notesSz cx="6858000" cy="9144000"/>
@@ -235,7 +236,7 @@
             <a:fld id="{980710C0-C308-4221-AC9A-0F8B322B7D47}" type="datetimeFigureOut">
               <a:rPr lang="ru-RU" smtClean="0"/>
               <a:pPr/>
-              <a:t>09.06.2021</a:t>
+              <a:t>20.06.2021</a:t>
             </a:fld>
             <a:endParaRPr lang="ru-RU"/>
           </a:p>
@@ -783,7 +784,7 @@
             <a:fld id="{364044E5-65EB-4192-893D-BF70169044BC}" type="datetime1">
               <a:rPr lang="ru-RU" smtClean="0"/>
               <a:pPr/>
-              <a:t>09.06.2021</a:t>
+              <a:t>20.06.2021</a:t>
             </a:fld>
             <a:endParaRPr lang="ru-RU"/>
           </a:p>
@@ -950,7 +951,7 @@
             <a:fld id="{B1D89B55-9EC5-4162-9DA6-04A407311E79}" type="datetime1">
               <a:rPr lang="ru-RU" smtClean="0"/>
               <a:pPr/>
-              <a:t>09.06.2021</a:t>
+              <a:t>20.06.2021</a:t>
             </a:fld>
             <a:endParaRPr lang="ru-RU"/>
           </a:p>
@@ -1127,7 +1128,7 @@
             <a:fld id="{297E4E56-1D55-4D38-AA2B-62F3E25550A3}" type="datetime1">
               <a:rPr lang="ru-RU" smtClean="0"/>
               <a:pPr/>
-              <a:t>09.06.2021</a:t>
+              <a:t>20.06.2021</a:t>
             </a:fld>
             <a:endParaRPr lang="ru-RU"/>
           </a:p>
@@ -1312,7 +1313,7 @@
             <a:fld id="{7D7EE8D9-1CCC-41CE-9B21-3C0BC6391294}" type="datetime1">
               <a:rPr lang="ru-RU" smtClean="0"/>
               <a:pPr/>
-              <a:t>09.06.2021</a:t>
+              <a:t>20.06.2021</a:t>
             </a:fld>
             <a:endParaRPr lang="ru-RU"/>
           </a:p>
@@ -1576,7 +1577,7 @@
             <a:fld id="{040338E3-11AC-450A-91D1-ADE058E820E2}" type="datetime1">
               <a:rPr lang="ru-RU" smtClean="0"/>
               <a:pPr/>
-              <a:t>09.06.2021</a:t>
+              <a:t>20.06.2021</a:t>
             </a:fld>
             <a:endParaRPr lang="ru-RU"/>
           </a:p>
@@ -1926,7 +1927,7 @@
             <a:fld id="{ED131AFB-DDF4-4A6B-ADE1-6BD2D6C79026}" type="datetime1">
               <a:rPr lang="ru-RU" smtClean="0"/>
               <a:pPr/>
-              <a:t>09.06.2021</a:t>
+              <a:t>20.06.2021</a:t>
             </a:fld>
             <a:endParaRPr lang="ru-RU"/>
           </a:p>
@@ -2236,7 +2237,7 @@
             <a:fld id="{3FC07CDA-83AE-42BB-8134-0094749CFAEB}" type="datetime1">
               <a:rPr lang="ru-RU" smtClean="0"/>
               <a:pPr/>
-              <a:t>09.06.2021</a:t>
+              <a:t>20.06.2021</a:t>
             </a:fld>
             <a:endParaRPr lang="ru-RU"/>
           </a:p>
@@ -2465,7 +2466,7 @@
             <a:fld id="{B8ECD902-13ED-4BF8-8025-EB307675E26D}" type="datetime1">
               <a:rPr lang="ru-RU" smtClean="0"/>
               <a:pPr/>
-              <a:t>09.06.2021</a:t>
+              <a:t>20.06.2021</a:t>
             </a:fld>
             <a:endParaRPr lang="ru-RU"/>
           </a:p>
@@ -2557,7 +2558,7 @@
             <a:fld id="{B487036D-A53E-4AB2-A76F-02255E0B3C1E}" type="datetime1">
               <a:rPr lang="ru-RU" smtClean="0"/>
               <a:pPr/>
-              <a:t>09.06.2021</a:t>
+              <a:t>20.06.2021</a:t>
             </a:fld>
             <a:endParaRPr lang="ru-RU"/>
           </a:p>
@@ -2847,7 +2848,7 @@
             <a:fld id="{C3CEED6E-0807-4CAB-ACEC-334A44586107}" type="datetime1">
               <a:rPr lang="ru-RU" smtClean="0"/>
               <a:pPr/>
-              <a:t>09.06.2021</a:t>
+              <a:t>20.06.2021</a:t>
             </a:fld>
             <a:endParaRPr lang="ru-RU"/>
           </a:p>
@@ -3118,7 +3119,7 @@
             <a:fld id="{1EBD4D49-DD07-4BD5-99B4-F76E5F2D5DB5}" type="datetime1">
               <a:rPr lang="ru-RU" smtClean="0"/>
               <a:pPr/>
-              <a:t>09.06.2021</a:t>
+              <a:t>20.06.2021</a:t>
             </a:fld>
             <a:endParaRPr lang="ru-RU"/>
           </a:p>
@@ -3333,7 +3334,7 @@
             <a:fld id="{46BAEAE4-3DBF-4E76-8B84-C990404663D0}" type="datetime1">
               <a:rPr lang="ru-RU" smtClean="0"/>
               <a:pPr/>
-              <a:t>09.06.2021</a:t>
+              <a:t>20.06.2021</a:t>
             </a:fld>
             <a:endParaRPr lang="ru-RU"/>
           </a:p>
@@ -4291,8 +4292,8 @@
           </a:p>
         </p:txBody>
       </p:sp>
-      <mc:AlternateContent xmlns:mc="http://schemas.openxmlformats.org/markup-compatibility/2006">
-        <mc:Choice xmlns:a14="http://schemas.microsoft.com/office/drawing/2010/main" Requires="a14">
+      <mc:AlternateContent xmlns:mc="http://schemas.openxmlformats.org/markup-compatibility/2006" xmlns:a14="http://schemas.microsoft.com/office/drawing/2010/main">
+        <mc:Choice Requires="a14">
           <p:sp>
             <p:nvSpPr>
               <p:cNvPr id="5" name="TextBox 4">
@@ -4737,7 +4738,7 @@
             </p:txBody>
           </p:sp>
         </mc:Choice>
-        <mc:Fallback>
+        <mc:Fallback xmlns="">
           <p:sp>
             <p:nvSpPr>
               <p:cNvPr id="5" name="TextBox 4">
@@ -4902,8 +4903,8 @@
           </a:prstGeom>
         </p:spPr>
       </p:pic>
-      <mc:AlternateContent xmlns:mc="http://schemas.openxmlformats.org/markup-compatibility/2006">
-        <mc:Choice xmlns:a14="http://schemas.microsoft.com/office/drawing/2010/main" Requires="a14">
+      <mc:AlternateContent xmlns:mc="http://schemas.openxmlformats.org/markup-compatibility/2006" xmlns:a14="http://schemas.microsoft.com/office/drawing/2010/main">
+        <mc:Choice Requires="a14">
           <p:sp>
             <p:nvSpPr>
               <p:cNvPr id="14" name="TextBox 13">
@@ -4959,7 +4960,7 @@
             </p:txBody>
           </p:sp>
         </mc:Choice>
-        <mc:Fallback>
+        <mc:Fallback xmlns="">
           <p:sp>
             <p:nvSpPr>
               <p:cNvPr id="14" name="TextBox 13">
@@ -5422,10 +5423,10 @@
       </p:sp>
       <p:pic>
         <p:nvPicPr>
-          <p:cNvPr id="7" name="Объект 6">
+          <p:cNvPr id="13" name="Объект 12">
             <a:extLst>
               <a:ext uri="{FF2B5EF4-FFF2-40B4-BE49-F238E27FC236}">
-                <a16:creationId xmlns:a16="http://schemas.microsoft.com/office/drawing/2014/main" id="{FEB44E9C-AC7D-4AD9-AD35-015C89C47F7C}"/>
+                <a16:creationId xmlns:a16="http://schemas.microsoft.com/office/drawing/2014/main" id="{5E270B7C-216D-487C-A704-DF33FEB19AA1}"/>
               </a:ext>
             </a:extLst>
           </p:cNvPr>
@@ -5450,8 +5451,8 @@
         </p:blipFill>
         <p:spPr>
           <a:xfrm>
-            <a:off x="4198679" y="1815299"/>
-            <a:ext cx="3794642" cy="4061047"/>
+            <a:off x="3719736" y="1768729"/>
+            <a:ext cx="4650070" cy="4600159"/>
           </a:xfrm>
         </p:spPr>
       </p:pic>
@@ -5554,42 +5555,6 @@
           </a:p>
         </p:txBody>
       </p:sp>
-      <p:pic>
-        <p:nvPicPr>
-          <p:cNvPr id="6" name="Рисунок 5">
-            <a:extLst>
-              <a:ext uri="{FF2B5EF4-FFF2-40B4-BE49-F238E27FC236}">
-                <a16:creationId xmlns:a16="http://schemas.microsoft.com/office/drawing/2014/main" id="{16A31AB3-6FD5-4A0E-BE34-0E68E855CBDD}"/>
-              </a:ext>
-            </a:extLst>
-          </p:cNvPr>
-          <p:cNvPicPr>
-            <a:picLocks noChangeAspect="1"/>
-          </p:cNvPicPr>
-          <p:nvPr/>
-        </p:nvPicPr>
-        <p:blipFill>
-          <a:blip r:embed="rId2">
-            <a:extLst>
-              <a:ext uri="{28A0092B-C50C-407E-A947-70E740481C1C}">
-                <a14:useLocalDpi xmlns:a14="http://schemas.microsoft.com/office/drawing/2010/main" val="0"/>
-              </a:ext>
-            </a:extLst>
-          </a:blip>
-          <a:stretch>
-            <a:fillRect/>
-          </a:stretch>
-        </p:blipFill>
-        <p:spPr>
-          <a:xfrm>
-            <a:off x="4379554" y="1916832"/>
-            <a:ext cx="3432891" cy="3453447"/>
-          </a:xfrm>
-          <a:prstGeom prst="rect">
-            <a:avLst/>
-          </a:prstGeom>
-        </p:spPr>
-      </p:pic>
       <p:sp>
         <p:nvSpPr>
           <p:cNvPr id="11" name="Заголовок 1">
@@ -5636,6 +5601,42 @@
           </a:p>
         </p:txBody>
       </p:sp>
+      <p:pic>
+        <p:nvPicPr>
+          <p:cNvPr id="7" name="Рисунок 6">
+            <a:extLst>
+              <a:ext uri="{FF2B5EF4-FFF2-40B4-BE49-F238E27FC236}">
+                <a16:creationId xmlns:a16="http://schemas.microsoft.com/office/drawing/2014/main" id="{99AAD128-3963-4219-B5E0-A2C77E6C1A6E}"/>
+              </a:ext>
+            </a:extLst>
+          </p:cNvPr>
+          <p:cNvPicPr>
+            <a:picLocks noChangeAspect="1"/>
+          </p:cNvPicPr>
+          <p:nvPr/>
+        </p:nvPicPr>
+        <p:blipFill>
+          <a:blip r:embed="rId2">
+            <a:extLst>
+              <a:ext uri="{28A0092B-C50C-407E-A947-70E740481C1C}">
+                <a14:useLocalDpi xmlns:a14="http://schemas.microsoft.com/office/drawing/2010/main" val="0"/>
+              </a:ext>
+            </a:extLst>
+          </a:blip>
+          <a:stretch>
+            <a:fillRect/>
+          </a:stretch>
+        </p:blipFill>
+        <p:spPr>
+          <a:xfrm>
+            <a:off x="3649980" y="1760517"/>
+            <a:ext cx="4892040" cy="5013960"/>
+          </a:xfrm>
+          <a:prstGeom prst="rect">
+            <a:avLst/>
+          </a:prstGeom>
+        </p:spPr>
+      </p:pic>
     </p:spTree>
     <p:extLst>
       <p:ext uri="{BB962C8B-B14F-4D97-AF65-F5344CB8AC3E}">
@@ -5760,42 +5761,6 @@
           </a:p>
         </p:txBody>
       </p:sp>
-      <p:pic>
-        <p:nvPicPr>
-          <p:cNvPr id="7" name="Рисунок 6">
-            <a:extLst>
-              <a:ext uri="{FF2B5EF4-FFF2-40B4-BE49-F238E27FC236}">
-                <a16:creationId xmlns:a16="http://schemas.microsoft.com/office/drawing/2014/main" id="{9BBA94A8-F169-47DD-A568-1968A443368E}"/>
-              </a:ext>
-            </a:extLst>
-          </p:cNvPr>
-          <p:cNvPicPr>
-            <a:picLocks noChangeAspect="1"/>
-          </p:cNvPicPr>
-          <p:nvPr/>
-        </p:nvPicPr>
-        <p:blipFill>
-          <a:blip r:embed="rId2">
-            <a:extLst>
-              <a:ext uri="{28A0092B-C50C-407E-A947-70E740481C1C}">
-                <a14:useLocalDpi xmlns:a14="http://schemas.microsoft.com/office/drawing/2010/main" val="0"/>
-              </a:ext>
-            </a:extLst>
-          </a:blip>
-          <a:stretch>
-            <a:fillRect/>
-          </a:stretch>
-        </p:blipFill>
-        <p:spPr>
-          <a:xfrm>
-            <a:off x="4077216" y="1844824"/>
-            <a:ext cx="4037568" cy="3852359"/>
-          </a:xfrm>
-          <a:prstGeom prst="rect">
-            <a:avLst/>
-          </a:prstGeom>
-        </p:spPr>
-      </p:pic>
       <p:sp>
         <p:nvSpPr>
           <p:cNvPr id="9" name="Заголовок 1">
@@ -5842,6 +5807,42 @@
           </a:p>
         </p:txBody>
       </p:sp>
+      <p:pic>
+        <p:nvPicPr>
+          <p:cNvPr id="11" name="Рисунок 10">
+            <a:extLst>
+              <a:ext uri="{FF2B5EF4-FFF2-40B4-BE49-F238E27FC236}">
+                <a16:creationId xmlns:a16="http://schemas.microsoft.com/office/drawing/2014/main" id="{C8AEDD34-6944-4ED9-8B4F-109C4B79CF08}"/>
+              </a:ext>
+            </a:extLst>
+          </p:cNvPr>
+          <p:cNvPicPr>
+            <a:picLocks noChangeAspect="1"/>
+          </p:cNvPicPr>
+          <p:nvPr/>
+        </p:nvPicPr>
+        <p:blipFill>
+          <a:blip r:embed="rId2">
+            <a:extLst>
+              <a:ext uri="{28A0092B-C50C-407E-A947-70E740481C1C}">
+                <a14:useLocalDpi xmlns:a14="http://schemas.microsoft.com/office/drawing/2010/main" val="0"/>
+              </a:ext>
+            </a:extLst>
+          </a:blip>
+          <a:stretch>
+            <a:fillRect/>
+          </a:stretch>
+        </p:blipFill>
+        <p:spPr>
+          <a:xfrm>
+            <a:off x="3793443" y="1764915"/>
+            <a:ext cx="4605114" cy="4550010"/>
+          </a:xfrm>
+          <a:prstGeom prst="rect">
+            <a:avLst/>
+          </a:prstGeom>
+        </p:spPr>
+      </p:pic>
     </p:spTree>
     <p:extLst>
       <p:ext uri="{BB962C8B-B14F-4D97-AF65-F5344CB8AC3E}">
@@ -5874,6 +5875,212 @@
       </p:grpSpPr>
       <p:sp>
         <p:nvSpPr>
+          <p:cNvPr id="4" name="Номер слайда 3">
+            <a:extLst>
+              <a:ext uri="{FF2B5EF4-FFF2-40B4-BE49-F238E27FC236}">
+                <a16:creationId xmlns:a16="http://schemas.microsoft.com/office/drawing/2014/main" id="{0ACEBB95-F0AC-40A2-B598-95666720DCC1}"/>
+              </a:ext>
+            </a:extLst>
+          </p:cNvPr>
+          <p:cNvSpPr>
+            <a:spLocks noGrp="1"/>
+          </p:cNvSpPr>
+          <p:nvPr>
+            <p:ph type="sldNum" sz="quarter" idx="12"/>
+          </p:nvPr>
+        </p:nvSpPr>
+        <p:spPr/>
+        <p:txBody>
+          <a:bodyPr/>
+          <a:lstStyle/>
+          <a:p>
+            <a:fld id="{393EB7AA-3EF4-4DEE-B150-CF766037D054}" type="slidenum">
+              <a:rPr lang="ru-RU" smtClean="0"/>
+              <a:pPr/>
+              <a:t>15</a:t>
+            </a:fld>
+            <a:endParaRPr lang="ru-RU"/>
+          </a:p>
+        </p:txBody>
+      </p:sp>
+      <p:sp>
+        <p:nvSpPr>
+          <p:cNvPr id="10" name="TextBox 9">
+            <a:extLst>
+              <a:ext uri="{FF2B5EF4-FFF2-40B4-BE49-F238E27FC236}">
+                <a16:creationId xmlns:a16="http://schemas.microsoft.com/office/drawing/2014/main" id="{1D22B181-CB14-4005-97AC-38B7F674126C}"/>
+              </a:ext>
+            </a:extLst>
+          </p:cNvPr>
+          <p:cNvSpPr txBox="1"/>
+          <p:nvPr/>
+        </p:nvSpPr>
+        <p:spPr>
+          <a:xfrm>
+            <a:off x="2310408" y="933918"/>
+            <a:ext cx="7571184" cy="830997"/>
+          </a:xfrm>
+          <a:prstGeom prst="rect">
+            <a:avLst/>
+          </a:prstGeom>
+          <a:noFill/>
+        </p:spPr>
+        <p:txBody>
+          <a:bodyPr wrap="square" rtlCol="0">
+            <a:spAutoFit/>
+          </a:bodyPr>
+          <a:lstStyle/>
+          <a:p>
+            <a:pPr algn="ctr"/>
+            <a:r>
+              <a:rPr lang="ru-RU" sz="2400" dirty="0">
+                <a:latin typeface="Times New Roman" panose="02020603050405020304" pitchFamily="18" charset="0"/>
+                <a:cs typeface="Times New Roman" panose="02020603050405020304" pitchFamily="18" charset="0"/>
+              </a:rPr>
+              <a:t>Поверхность заряда РДТТ</a:t>
+            </a:r>
+            <a:r>
+              <a:rPr lang="en-US" sz="2400" dirty="0">
+                <a:latin typeface="Times New Roman" panose="02020603050405020304" pitchFamily="18" charset="0"/>
+                <a:cs typeface="Times New Roman" panose="02020603050405020304" pitchFamily="18" charset="0"/>
+              </a:rPr>
+              <a:t> </a:t>
+            </a:r>
+            <a:r>
+              <a:rPr lang="ru-RU" sz="2400" dirty="0">
+                <a:latin typeface="Times New Roman" panose="02020603050405020304" pitchFamily="18" charset="0"/>
+                <a:cs typeface="Times New Roman" panose="02020603050405020304" pitchFamily="18" charset="0"/>
+              </a:rPr>
+              <a:t>спустя несколько итераций моделирования процесса горения</a:t>
+            </a:r>
+            <a:r>
+              <a:rPr lang="en-US" sz="2400" dirty="0">
+                <a:latin typeface="Times New Roman" panose="02020603050405020304" pitchFamily="18" charset="0"/>
+                <a:cs typeface="Times New Roman" panose="02020603050405020304" pitchFamily="18" charset="0"/>
+              </a:rPr>
+              <a:t>:</a:t>
+            </a:r>
+            <a:endParaRPr lang="ru-RU" sz="2400" dirty="0">
+              <a:latin typeface="Times New Roman" panose="02020603050405020304" pitchFamily="18" charset="0"/>
+              <a:cs typeface="Times New Roman" panose="02020603050405020304" pitchFamily="18" charset="0"/>
+            </a:endParaRPr>
+          </a:p>
+        </p:txBody>
+      </p:sp>
+      <p:sp>
+        <p:nvSpPr>
+          <p:cNvPr id="9" name="Заголовок 1">
+            <a:extLst>
+              <a:ext uri="{FF2B5EF4-FFF2-40B4-BE49-F238E27FC236}">
+                <a16:creationId xmlns:a16="http://schemas.microsoft.com/office/drawing/2014/main" id="{BF3BDD16-B8CD-4132-B274-22C11A963903}"/>
+              </a:ext>
+            </a:extLst>
+          </p:cNvPr>
+          <p:cNvSpPr>
+            <a:spLocks noGrp="1"/>
+          </p:cNvSpPr>
+          <p:nvPr>
+            <p:ph type="title"/>
+          </p:nvPr>
+        </p:nvSpPr>
+        <p:spPr>
+          <a:xfrm>
+            <a:off x="1981200" y="-663575"/>
+            <a:ext cx="8229600" cy="1600200"/>
+          </a:xfrm>
+        </p:spPr>
+        <p:txBody>
+          <a:bodyPr/>
+          <a:lstStyle/>
+          <a:p>
+            <a:r>
+              <a:rPr lang="ru-RU" sz="4000" b="1" dirty="0">
+                <a:solidFill>
+                  <a:schemeClr val="tx1"/>
+                </a:solidFill>
+                <a:effectLst/>
+                <a:latin typeface="Times New Roman" panose="02020603050405020304" pitchFamily="18" charset="0"/>
+                <a:cs typeface="Times New Roman" panose="02020603050405020304" pitchFamily="18" charset="0"/>
+              </a:rPr>
+              <a:t>Результаты</a:t>
+            </a:r>
+            <a:endParaRPr lang="ru-RU" sz="4000" dirty="0">
+              <a:solidFill>
+                <a:schemeClr val="tx1"/>
+              </a:solidFill>
+              <a:effectLst/>
+            </a:endParaRPr>
+          </a:p>
+        </p:txBody>
+      </p:sp>
+      <p:pic>
+        <p:nvPicPr>
+          <p:cNvPr id="6" name="Рисунок 5">
+            <a:extLst>
+              <a:ext uri="{FF2B5EF4-FFF2-40B4-BE49-F238E27FC236}">
+                <a16:creationId xmlns:a16="http://schemas.microsoft.com/office/drawing/2014/main" id="{EACCD191-03E6-4A24-8922-B5FAFFCC3BB6}"/>
+              </a:ext>
+            </a:extLst>
+          </p:cNvPr>
+          <p:cNvPicPr>
+            <a:picLocks noChangeAspect="1"/>
+          </p:cNvPicPr>
+          <p:nvPr/>
+        </p:nvPicPr>
+        <p:blipFill>
+          <a:blip r:embed="rId2">
+            <a:extLst>
+              <a:ext uri="{28A0092B-C50C-407E-A947-70E740481C1C}">
+                <a14:useLocalDpi xmlns:a14="http://schemas.microsoft.com/office/drawing/2010/main" val="0"/>
+              </a:ext>
+            </a:extLst>
+          </a:blip>
+          <a:stretch>
+            <a:fillRect/>
+          </a:stretch>
+        </p:blipFill>
+        <p:spPr>
+          <a:xfrm>
+            <a:off x="3216424" y="1764915"/>
+            <a:ext cx="5759152" cy="4336303"/>
+          </a:xfrm>
+          <a:prstGeom prst="rect">
+            <a:avLst/>
+          </a:prstGeom>
+        </p:spPr>
+      </p:pic>
+    </p:spTree>
+    <p:extLst>
+      <p:ext uri="{BB962C8B-B14F-4D97-AF65-F5344CB8AC3E}">
+        <p14:creationId xmlns:p14="http://schemas.microsoft.com/office/powerpoint/2010/main" val="3763409189"/>
+      </p:ext>
+    </p:extLst>
+  </p:cSld>
+  <p:clrMapOvr>
+    <a:masterClrMapping/>
+  </p:clrMapOvr>
+</p:sld>
+</file>
+
+<file path=ppt/slides/slide16.xml><?xml version="1.0" encoding="utf-8"?>
+<p:sld xmlns:a="http://schemas.openxmlformats.org/drawingml/2006/main" xmlns:r="http://schemas.openxmlformats.org/officeDocument/2006/relationships" xmlns:p="http://schemas.openxmlformats.org/presentationml/2006/main">
+  <p:cSld>
+    <p:spTree>
+      <p:nvGrpSpPr>
+        <p:cNvPr id="1" name=""/>
+        <p:cNvGrpSpPr/>
+        <p:nvPr/>
+      </p:nvGrpSpPr>
+      <p:grpSpPr>
+        <a:xfrm>
+          <a:off x="0" y="0"/>
+          <a:ext cx="0" cy="0"/>
+          <a:chOff x="0" y="0"/>
+          <a:chExt cx="0" cy="0"/>
+        </a:xfrm>
+      </p:grpSpPr>
+      <p:sp>
+        <p:nvSpPr>
           <p:cNvPr id="4" name="Номер слайда 3"/>
           <p:cNvSpPr>
             <a:spLocks noGrp="1"/>
@@ -5890,7 +6097,7 @@
             <a:fld id="{393EB7AA-3EF4-4DEE-B150-CF766037D054}" type="slidenum">
               <a:rPr lang="ru-RU" sz="2800"/>
               <a:pPr/>
-              <a:t>15</a:t>
+              <a:t>16</a:t>
             </a:fld>
             <a:endParaRPr lang="ru-RU" sz="2800" dirty="0"/>
           </a:p>
@@ -8591,8 +8798,8 @@
           </a:p>
         </p:txBody>
       </p:sp>
-      <mc:AlternateContent xmlns:mc="http://schemas.openxmlformats.org/markup-compatibility/2006">
-        <mc:Choice xmlns:a14="http://schemas.microsoft.com/office/drawing/2010/main" Requires="a14">
+      <mc:AlternateContent xmlns:mc="http://schemas.openxmlformats.org/markup-compatibility/2006" xmlns:a14="http://schemas.microsoft.com/office/drawing/2010/main">
+        <mc:Choice Requires="a14">
           <p:sp>
             <p:nvSpPr>
               <p:cNvPr id="15" name="Объект 2">
@@ -9908,7 +10115,7 @@
             </p:txBody>
           </p:sp>
         </mc:Choice>
-        <mc:Fallback>
+        <mc:Fallback xmlns="">
           <p:sp>
             <p:nvSpPr>
               <p:cNvPr id="15" name="Объект 2">
@@ -10292,8 +10499,8 @@
           </a:prstGeom>
         </p:spPr>
       </p:pic>
-      <mc:AlternateContent xmlns:mc="http://schemas.openxmlformats.org/markup-compatibility/2006">
-        <mc:Choice xmlns:a14="http://schemas.microsoft.com/office/drawing/2010/main" Requires="a14">
+      <mc:AlternateContent xmlns:mc="http://schemas.openxmlformats.org/markup-compatibility/2006" xmlns:a14="http://schemas.microsoft.com/office/drawing/2010/main">
+        <mc:Choice Requires="a14">
           <p:sp>
             <p:nvSpPr>
               <p:cNvPr id="10" name="TextBox 9">
@@ -10544,7 +10751,7 @@
             </p:txBody>
           </p:sp>
         </mc:Choice>
-        <mc:Fallback>
+        <mc:Fallback xmlns="">
           <p:sp>
             <p:nvSpPr>
               <p:cNvPr id="10" name="TextBox 9">
@@ -10589,8 +10796,8 @@
           </p:sp>
         </mc:Fallback>
       </mc:AlternateContent>
-      <mc:AlternateContent xmlns:mc="http://schemas.openxmlformats.org/markup-compatibility/2006">
-        <mc:Choice xmlns:a14="http://schemas.microsoft.com/office/drawing/2010/main" Requires="a14">
+      <mc:AlternateContent xmlns:mc="http://schemas.openxmlformats.org/markup-compatibility/2006" xmlns:a14="http://schemas.microsoft.com/office/drawing/2010/main">
+        <mc:Choice Requires="a14">
           <p:sp>
             <p:nvSpPr>
               <p:cNvPr id="5" name="TextBox 4">
@@ -10712,7 +10919,7 @@
             </p:txBody>
           </p:sp>
         </mc:Choice>
-        <mc:Fallback>
+        <mc:Fallback xmlns="">
           <p:sp>
             <p:nvSpPr>
               <p:cNvPr id="5" name="TextBox 4">
@@ -10757,8 +10964,8 @@
           </p:sp>
         </mc:Fallback>
       </mc:AlternateContent>
-      <mc:AlternateContent xmlns:mc="http://schemas.openxmlformats.org/markup-compatibility/2006">
-        <mc:Choice xmlns:a14="http://schemas.microsoft.com/office/drawing/2010/main" Requires="a14">
+      <mc:AlternateContent xmlns:mc="http://schemas.openxmlformats.org/markup-compatibility/2006" xmlns:a14="http://schemas.microsoft.com/office/drawing/2010/main">
+        <mc:Choice Requires="a14">
           <p:sp>
             <p:nvSpPr>
               <p:cNvPr id="13" name="Объект 2">
@@ -11150,7 +11357,7 @@
             </p:txBody>
           </p:sp>
         </mc:Choice>
-        <mc:Fallback>
+        <mc:Fallback xmlns="">
           <p:sp>
             <p:nvSpPr>
               <p:cNvPr id="13" name="Объект 2">
@@ -11656,8 +11863,8 @@
           </a:prstGeom>
         </p:spPr>
       </p:pic>
-      <mc:AlternateContent xmlns:mc="http://schemas.openxmlformats.org/markup-compatibility/2006">
-        <mc:Choice xmlns:a14="http://schemas.microsoft.com/office/drawing/2010/main" Requires="a14">
+      <mc:AlternateContent xmlns:mc="http://schemas.openxmlformats.org/markup-compatibility/2006" xmlns:a14="http://schemas.microsoft.com/office/drawing/2010/main">
+        <mc:Choice Requires="a14">
           <p:sp>
             <p:nvSpPr>
               <p:cNvPr id="15" name="TextBox 14">
@@ -11764,7 +11971,7 @@
             </p:txBody>
           </p:sp>
         </mc:Choice>
-        <mc:Fallback>
+        <mc:Fallback xmlns="">
           <p:sp>
             <p:nvSpPr>
               <p:cNvPr id="15" name="TextBox 14">
@@ -11809,8 +12016,8 @@
           </p:sp>
         </mc:Fallback>
       </mc:AlternateContent>
-      <mc:AlternateContent xmlns:mc="http://schemas.openxmlformats.org/markup-compatibility/2006">
-        <mc:Choice xmlns:a14="http://schemas.microsoft.com/office/drawing/2010/main" Requires="a14">
+      <mc:AlternateContent xmlns:mc="http://schemas.openxmlformats.org/markup-compatibility/2006" xmlns:a14="http://schemas.microsoft.com/office/drawing/2010/main">
+        <mc:Choice Requires="a14">
           <p:sp>
             <p:nvSpPr>
               <p:cNvPr id="17" name="TextBox 16">
@@ -11917,7 +12124,7 @@
             </p:txBody>
           </p:sp>
         </mc:Choice>
-        <mc:Fallback>
+        <mc:Fallback xmlns="">
           <p:sp>
             <p:nvSpPr>
               <p:cNvPr id="17" name="TextBox 16">
@@ -11962,8 +12169,8 @@
           </p:sp>
         </mc:Fallback>
       </mc:AlternateContent>
-      <mc:AlternateContent xmlns:mc="http://schemas.openxmlformats.org/markup-compatibility/2006">
-        <mc:Choice xmlns:a14="http://schemas.microsoft.com/office/drawing/2010/main" Requires="a14">
+      <mc:AlternateContent xmlns:mc="http://schemas.openxmlformats.org/markup-compatibility/2006" xmlns:a14="http://schemas.microsoft.com/office/drawing/2010/main">
+        <mc:Choice Requires="a14">
           <p:sp>
             <p:nvSpPr>
               <p:cNvPr id="19" name="TextBox 18">
@@ -12122,7 +12329,7 @@
             </p:txBody>
           </p:sp>
         </mc:Choice>
-        <mc:Fallback>
+        <mc:Fallback xmlns="">
           <p:sp>
             <p:nvSpPr>
               <p:cNvPr id="19" name="TextBox 18">
@@ -12167,8 +12374,8 @@
           </p:sp>
         </mc:Fallback>
       </mc:AlternateContent>
-      <mc:AlternateContent xmlns:mc="http://schemas.openxmlformats.org/markup-compatibility/2006">
-        <mc:Choice xmlns:a14="http://schemas.microsoft.com/office/drawing/2010/main" Requires="a14">
+      <mc:AlternateContent xmlns:mc="http://schemas.openxmlformats.org/markup-compatibility/2006" xmlns:a14="http://schemas.microsoft.com/office/drawing/2010/main">
+        <mc:Choice Requires="a14">
           <p:sp>
             <p:nvSpPr>
               <p:cNvPr id="21" name="TextBox 20">
@@ -12320,7 +12527,7 @@
             </p:txBody>
           </p:sp>
         </mc:Choice>
-        <mc:Fallback>
+        <mc:Fallback xmlns="">
           <p:sp>
             <p:nvSpPr>
               <p:cNvPr id="21" name="TextBox 20">
@@ -12365,8 +12572,8 @@
           </p:sp>
         </mc:Fallback>
       </mc:AlternateContent>
-      <mc:AlternateContent xmlns:mc="http://schemas.openxmlformats.org/markup-compatibility/2006">
-        <mc:Choice xmlns:a14="http://schemas.microsoft.com/office/drawing/2010/main" Requires="a14">
+      <mc:AlternateContent xmlns:mc="http://schemas.openxmlformats.org/markup-compatibility/2006" xmlns:a14="http://schemas.microsoft.com/office/drawing/2010/main">
+        <mc:Choice Requires="a14">
           <p:sp>
             <p:nvSpPr>
               <p:cNvPr id="23" name="TextBox 22">
@@ -12500,7 +12707,7 @@
             </p:txBody>
           </p:sp>
         </mc:Choice>
-        <mc:Fallback>
+        <mc:Fallback xmlns="">
           <p:sp>
             <p:nvSpPr>
               <p:cNvPr id="23" name="TextBox 22">
@@ -12545,8 +12752,8 @@
           </p:sp>
         </mc:Fallback>
       </mc:AlternateContent>
-      <mc:AlternateContent xmlns:mc="http://schemas.openxmlformats.org/markup-compatibility/2006">
-        <mc:Choice xmlns:a14="http://schemas.microsoft.com/office/drawing/2010/main" Requires="a14">
+      <mc:AlternateContent xmlns:mc="http://schemas.openxmlformats.org/markup-compatibility/2006" xmlns:a14="http://schemas.microsoft.com/office/drawing/2010/main">
+        <mc:Choice Requires="a14">
           <p:sp>
             <p:nvSpPr>
               <p:cNvPr id="24" name="TextBox 23">
@@ -12677,7 +12884,7 @@
             </p:txBody>
           </p:sp>
         </mc:Choice>
-        <mc:Fallback>
+        <mc:Fallback xmlns="">
           <p:sp>
             <p:nvSpPr>
               <p:cNvPr id="24" name="TextBox 23">
@@ -12722,8 +12929,8 @@
           </p:sp>
         </mc:Fallback>
       </mc:AlternateContent>
-      <mc:AlternateContent xmlns:mc="http://schemas.openxmlformats.org/markup-compatibility/2006">
-        <mc:Choice xmlns:a14="http://schemas.microsoft.com/office/drawing/2010/main" Requires="a14">
+      <mc:AlternateContent xmlns:mc="http://schemas.openxmlformats.org/markup-compatibility/2006" xmlns:a14="http://schemas.microsoft.com/office/drawing/2010/main">
+        <mc:Choice Requires="a14">
           <p:sp>
             <p:nvSpPr>
               <p:cNvPr id="25" name="TextBox 24">
@@ -12857,7 +13064,7 @@
             </p:txBody>
           </p:sp>
         </mc:Choice>
-        <mc:Fallback>
+        <mc:Fallback xmlns="">
           <p:sp>
             <p:nvSpPr>
               <p:cNvPr id="25" name="TextBox 24">
@@ -12902,8 +13109,8 @@
           </p:sp>
         </mc:Fallback>
       </mc:AlternateContent>
-      <mc:AlternateContent xmlns:mc="http://schemas.openxmlformats.org/markup-compatibility/2006">
-        <mc:Choice xmlns:a14="http://schemas.microsoft.com/office/drawing/2010/main" Requires="a14">
+      <mc:AlternateContent xmlns:mc="http://schemas.openxmlformats.org/markup-compatibility/2006" xmlns:a14="http://schemas.microsoft.com/office/drawing/2010/main">
+        <mc:Choice Requires="a14">
           <p:sp>
             <p:nvSpPr>
               <p:cNvPr id="26" name="TextBox 25">
@@ -13042,7 +13249,7 @@
             </p:txBody>
           </p:sp>
         </mc:Choice>
-        <mc:Fallback>
+        <mc:Fallback xmlns="">
           <p:sp>
             <p:nvSpPr>
               <p:cNvPr id="26" name="TextBox 25">
